--- a/MultivariateAnalysis_on_IBM_Employee_Data.pptx
+++ b/MultivariateAnalysis_on_IBM_Employee_Data.pptx
@@ -272,7 +272,7 @@
           <a:p>
             <a:fld id="{97996451-D6BA-4265-ADAE-0287C5D07339}" type="datetimeFigureOut">
               <a:rPr lang="en-US" smtClean="0"/>
-              <a:t>12/2/2018</a:t>
+              <a:t>4/1/2019</a:t>
             </a:fld>
             <a:endParaRPr lang="en-US"/>
           </a:p>
@@ -440,7 +440,7 @@
           <a:p>
             <a:fld id="{97996451-D6BA-4265-ADAE-0287C5D07339}" type="datetimeFigureOut">
               <a:rPr lang="en-US" smtClean="0"/>
-              <a:t>12/2/2018</a:t>
+              <a:t>4/1/2019</a:t>
             </a:fld>
             <a:endParaRPr lang="en-US"/>
           </a:p>
@@ -618,7 +618,7 @@
           <a:p>
             <a:fld id="{97996451-D6BA-4265-ADAE-0287C5D07339}" type="datetimeFigureOut">
               <a:rPr lang="en-US" smtClean="0"/>
-              <a:t>12/2/2018</a:t>
+              <a:t>4/1/2019</a:t>
             </a:fld>
             <a:endParaRPr lang="en-US"/>
           </a:p>
@@ -860,7 +860,7 @@
           <a:p>
             <a:fld id="{E6744CE3-0875-4B69-89C0-6F72D8139561}" type="datetimeFigureOut">
               <a:rPr lang="en-GB" smtClean="0"/>
-              <a:t>02/12/2018</a:t>
+              <a:t>01/04/2019</a:t>
             </a:fld>
             <a:endParaRPr lang="en-GB"/>
           </a:p>
@@ -1030,7 +1030,7 @@
           <a:p>
             <a:fld id="{E6744CE3-0875-4B69-89C0-6F72D8139561}" type="datetimeFigureOut">
               <a:rPr lang="en-GB" smtClean="0"/>
-              <a:t>02/12/2018</a:t>
+              <a:t>01/04/2019</a:t>
             </a:fld>
             <a:endParaRPr lang="en-GB"/>
           </a:p>
@@ -1276,7 +1276,7 @@
           <a:p>
             <a:fld id="{E6744CE3-0875-4B69-89C0-6F72D8139561}" type="datetimeFigureOut">
               <a:rPr lang="en-GB" smtClean="0"/>
-              <a:t>02/12/2018</a:t>
+              <a:t>01/04/2019</a:t>
             </a:fld>
             <a:endParaRPr lang="en-GB"/>
           </a:p>
@@ -1564,7 +1564,7 @@
           <a:p>
             <a:fld id="{E6744CE3-0875-4B69-89C0-6F72D8139561}" type="datetimeFigureOut">
               <a:rPr lang="en-GB" smtClean="0"/>
-              <a:t>02/12/2018</a:t>
+              <a:t>01/04/2019</a:t>
             </a:fld>
             <a:endParaRPr lang="en-GB"/>
           </a:p>
@@ -1986,7 +1986,7 @@
           <a:p>
             <a:fld id="{E6744CE3-0875-4B69-89C0-6F72D8139561}" type="datetimeFigureOut">
               <a:rPr lang="en-GB" smtClean="0"/>
-              <a:t>02/12/2018</a:t>
+              <a:t>01/04/2019</a:t>
             </a:fld>
             <a:endParaRPr lang="en-GB"/>
           </a:p>
@@ -2104,7 +2104,7 @@
           <a:p>
             <a:fld id="{E6744CE3-0875-4B69-89C0-6F72D8139561}" type="datetimeFigureOut">
               <a:rPr lang="en-GB" smtClean="0"/>
-              <a:t>02/12/2018</a:t>
+              <a:t>01/04/2019</a:t>
             </a:fld>
             <a:endParaRPr lang="en-GB"/>
           </a:p>
@@ -2199,7 +2199,7 @@
           <a:p>
             <a:fld id="{E6744CE3-0875-4B69-89C0-6F72D8139561}" type="datetimeFigureOut">
               <a:rPr lang="en-GB" smtClean="0"/>
-              <a:t>02/12/2018</a:t>
+              <a:t>01/04/2019</a:t>
             </a:fld>
             <a:endParaRPr lang="en-GB"/>
           </a:p>
@@ -2371,7 +2371,7 @@
           <a:p>
             <a:fld id="{97996451-D6BA-4265-ADAE-0287C5D07339}" type="datetimeFigureOut">
               <a:rPr lang="en-US" smtClean="0"/>
-              <a:t>12/2/2018</a:t>
+              <a:t>4/1/2019</a:t>
             </a:fld>
             <a:endParaRPr lang="en-US"/>
           </a:p>
@@ -2616,7 +2616,7 @@
           <a:p>
             <a:fld id="{97996451-D6BA-4265-ADAE-0287C5D07339}" type="datetimeFigureOut">
               <a:rPr lang="en-US" smtClean="0"/>
-              <a:t>12/2/2018</a:t>
+              <a:t>4/1/2019</a:t>
             </a:fld>
             <a:endParaRPr lang="en-US"/>
           </a:p>
@@ -2845,7 +2845,7 @@
           <a:p>
             <a:fld id="{97996451-D6BA-4265-ADAE-0287C5D07339}" type="datetimeFigureOut">
               <a:rPr lang="en-US" smtClean="0"/>
-              <a:t>12/2/2018</a:t>
+              <a:t>4/1/2019</a:t>
             </a:fld>
             <a:endParaRPr lang="en-US"/>
           </a:p>
@@ -3209,7 +3209,7 @@
           <a:p>
             <a:fld id="{97996451-D6BA-4265-ADAE-0287C5D07339}" type="datetimeFigureOut">
               <a:rPr lang="en-US" smtClean="0"/>
-              <a:t>12/2/2018</a:t>
+              <a:t>4/1/2019</a:t>
             </a:fld>
             <a:endParaRPr lang="en-US"/>
           </a:p>
@@ -3326,7 +3326,7 @@
           <a:p>
             <a:fld id="{97996451-D6BA-4265-ADAE-0287C5D07339}" type="datetimeFigureOut">
               <a:rPr lang="en-US" smtClean="0"/>
-              <a:t>12/2/2018</a:t>
+              <a:t>4/1/2019</a:t>
             </a:fld>
             <a:endParaRPr lang="en-US"/>
           </a:p>
@@ -3421,7 +3421,7 @@
           <a:p>
             <a:fld id="{97996451-D6BA-4265-ADAE-0287C5D07339}" type="datetimeFigureOut">
               <a:rPr lang="en-US" smtClean="0"/>
-              <a:t>12/2/2018</a:t>
+              <a:t>4/1/2019</a:t>
             </a:fld>
             <a:endParaRPr lang="en-US"/>
           </a:p>
@@ -3696,7 +3696,7 @@
           <a:p>
             <a:fld id="{97996451-D6BA-4265-ADAE-0287C5D07339}" type="datetimeFigureOut">
               <a:rPr lang="en-US" smtClean="0"/>
-              <a:t>12/2/2018</a:t>
+              <a:t>4/1/2019</a:t>
             </a:fld>
             <a:endParaRPr lang="en-US"/>
           </a:p>
@@ -3948,7 +3948,7 @@
           <a:p>
             <a:fld id="{97996451-D6BA-4265-ADAE-0287C5D07339}" type="datetimeFigureOut">
               <a:rPr lang="en-US" smtClean="0"/>
-              <a:t>12/2/2018</a:t>
+              <a:t>4/1/2019</a:t>
             </a:fld>
             <a:endParaRPr lang="en-US"/>
           </a:p>
@@ -4159,7 +4159,7 @@
           <a:p>
             <a:fld id="{97996451-D6BA-4265-ADAE-0287C5D07339}" type="datetimeFigureOut">
               <a:rPr lang="en-US" smtClean="0"/>
-              <a:t>12/2/2018</a:t>
+              <a:t>4/1/2019</a:t>
             </a:fld>
             <a:endParaRPr lang="en-US"/>
           </a:p>
@@ -4699,7 +4699,7 @@
           <a:p>
             <a:fld id="{E6744CE3-0875-4B69-89C0-6F72D8139561}" type="datetimeFigureOut">
               <a:rPr lang="en-GB" smtClean="0"/>
-              <a:t>02/12/2018</a:t>
+              <a:t>01/04/2019</a:t>
             </a:fld>
             <a:endParaRPr lang="en-GB"/>
           </a:p>
@@ -5112,8 +5112,21 @@
           <a:p>
             <a:r>
               <a:rPr lang="en-US" dirty="0"/>
-              <a:t>Ajay</a:t>
-            </a:r>
+              <a:t>Ajay </a:t>
+            </a:r>
+            <a:r>
+              <a:rPr lang="en-US" dirty="0" err="1"/>
+              <a:t>Attuchirayil</a:t>
+            </a:r>
+            <a:r>
+              <a:rPr lang="en-US" dirty="0"/>
+              <a:t> </a:t>
+            </a:r>
+            <a:r>
+              <a:rPr lang="en-US"/>
+              <a:t>Krishnankutty</a:t>
+            </a:r>
+            <a:endParaRPr lang="en-US" dirty="0"/>
           </a:p>
           <a:p>
             <a:r>
